--- a/OpenGovData/Teams/InequalityTeam/DatathonPresentation.pptx
+++ b/OpenGovData/Teams/InequalityTeam/DatathonPresentation.pptx
@@ -4088,7 +4088,7 @@
         <p:spPr/>
         <p:txBody>
           <a:bodyPr>
-            <a:normAutofit fontScale="90000"/>
+            <a:normAutofit/>
           </a:bodyPr>
           <a:lstStyle/>
           <a:p>
@@ -4126,8 +4126,13 @@
             </a:pPr>
             <a:r>
               <a:rPr lang="en-US" dirty="0" smtClean="0"/>
-              <a:t>CSO participatory environment</a:t>
-            </a:r>
+              <a:t>CSO participatory </a:t>
+            </a:r>
+            <a:r>
+              <a:rPr lang="en-US" dirty="0" smtClean="0"/>
+              <a:t>environment *</a:t>
+            </a:r>
+            <a:endParaRPr lang="en-US" dirty="0" smtClean="0"/>
           </a:p>
           <a:p>
             <a:pPr marL="514350" indent="-514350">
@@ -4146,8 +4151,13 @@
             </a:pPr>
             <a:r>
               <a:rPr lang="en-US" dirty="0" smtClean="0"/>
-              <a:t>CSO Consultation</a:t>
-            </a:r>
+              <a:t>CSO </a:t>
+            </a:r>
+            <a:r>
+              <a:rPr lang="en-US" dirty="0" smtClean="0"/>
+              <a:t>Consultation *</a:t>
+            </a:r>
+            <a:endParaRPr lang="en-US" dirty="0" smtClean="0"/>
           </a:p>
           <a:p>
             <a:pPr marL="514350" indent="-514350">
@@ -4762,8 +4772,27 @@
           <a:p>
             <a:r>
               <a:rPr lang="en-US" dirty="0"/>
-              <a:t>Possible models (an overview for future discussion)</a:t>
-            </a:r>
+              <a:t>Possible models (an overview for future discussion</a:t>
+            </a:r>
+            <a:r>
+              <a:rPr lang="en-US" dirty="0" smtClean="0"/>
+              <a:t>)</a:t>
+            </a:r>
+          </a:p>
+          <a:p>
+            <a:r>
+              <a:rPr lang="en-US" dirty="0" smtClean="0"/>
+              <a:t>Normalization of variables </a:t>
+            </a:r>
+            <a:r>
+              <a:rPr lang="en-US" smtClean="0"/>
+              <a:t>for better </a:t>
+            </a:r>
+            <a:r>
+              <a:rPr lang="en-US" dirty="0" smtClean="0"/>
+              <a:t>interpretation of coefficients</a:t>
+            </a:r>
+            <a:endParaRPr lang="en-US" dirty="0"/>
           </a:p>
           <a:p>
             <a:endParaRPr lang="en-GB" dirty="0"/>

--- a/OpenGovData/Teams/InequalityTeam/DatathonPresentation.pptx
+++ b/OpenGovData/Teams/InequalityTeam/DatathonPresentation.pptx
@@ -8,10 +8,15 @@
     <p:sldId id="256" r:id="rId2"/>
     <p:sldId id="257" r:id="rId3"/>
     <p:sldId id="258" r:id="rId4"/>
-    <p:sldId id="259" r:id="rId5"/>
-    <p:sldId id="260" r:id="rId6"/>
-    <p:sldId id="262" r:id="rId7"/>
-    <p:sldId id="261" r:id="rId8"/>
+    <p:sldId id="260" r:id="rId5"/>
+    <p:sldId id="262" r:id="rId6"/>
+    <p:sldId id="265" r:id="rId7"/>
+    <p:sldId id="266" r:id="rId8"/>
+    <p:sldId id="267" r:id="rId9"/>
+    <p:sldId id="268" r:id="rId10"/>
+    <p:sldId id="269" r:id="rId11"/>
+    <p:sldId id="264" r:id="rId12"/>
+    <p:sldId id="263" r:id="rId13"/>
   </p:sldIdLst>
   <p:sldSz cx="9144000" cy="6858000" type="screen4x3"/>
   <p:notesSz cx="6858000" cy="9144000"/>
@@ -324,7 +329,7 @@
             <a:fld id="{1D8BD707-D9CF-40AE-B4C6-C98DA3205C09}" type="datetimeFigureOut">
               <a:rPr lang="en-US" smtClean="0"/>
               <a:pPr/>
-              <a:t>2018-04-21</a:t>
+              <a:t>4/21/2018</a:t>
             </a:fld>
             <a:endParaRPr lang="en-US"/>
           </a:p>
@@ -377,7 +382,7 @@
             <a:fld id="{B6F15528-21DE-4FAA-801E-634DDDAF4B2B}" type="slidenum">
               <a:rPr lang="en-US" smtClean="0"/>
               <a:pPr/>
-              <a:t>‹#›</a:t>
+              <a:t>‹Nr.›</a:t>
             </a:fld>
             <a:endParaRPr lang="en-US"/>
           </a:p>
@@ -679,7 +684,7 @@
             <a:fld id="{1D8BD707-D9CF-40AE-B4C6-C98DA3205C09}" type="datetimeFigureOut">
               <a:rPr lang="en-US" smtClean="0"/>
               <a:pPr/>
-              <a:t>2018-04-21</a:t>
+              <a:t>4/21/2018</a:t>
             </a:fld>
             <a:endParaRPr lang="en-US"/>
           </a:p>
@@ -722,7 +727,7 @@
             <a:fld id="{B6F15528-21DE-4FAA-801E-634DDDAF4B2B}" type="slidenum">
               <a:rPr lang="en-US" smtClean="0"/>
               <a:pPr/>
-              <a:t>‹#›</a:t>
+              <a:t>‹Nr.›</a:t>
             </a:fld>
             <a:endParaRPr lang="en-US"/>
           </a:p>
@@ -856,7 +861,7 @@
             <a:fld id="{1D8BD707-D9CF-40AE-B4C6-C98DA3205C09}" type="datetimeFigureOut">
               <a:rPr lang="en-US" smtClean="0"/>
               <a:pPr/>
-              <a:t>2018-04-21</a:t>
+              <a:t>4/21/2018</a:t>
             </a:fld>
             <a:endParaRPr lang="en-US"/>
           </a:p>
@@ -899,7 +904,7 @@
             <a:fld id="{B6F15528-21DE-4FAA-801E-634DDDAF4B2B}" type="slidenum">
               <a:rPr lang="en-US" smtClean="0"/>
               <a:pPr/>
-              <a:t>‹#›</a:t>
+              <a:t>‹Nr.›</a:t>
             </a:fld>
             <a:endParaRPr lang="en-US"/>
           </a:p>
@@ -971,7 +976,7 @@
             <a:fld id="{1D8BD707-D9CF-40AE-B4C6-C98DA3205C09}" type="datetimeFigureOut">
               <a:rPr lang="en-US" smtClean="0"/>
               <a:pPr/>
-              <a:t>2018-04-21</a:t>
+              <a:t>4/21/2018</a:t>
             </a:fld>
             <a:endParaRPr lang="en-US"/>
           </a:p>
@@ -1014,7 +1019,7 @@
             <a:fld id="{B6F15528-21DE-4FAA-801E-634DDDAF4B2B}" type="slidenum">
               <a:rPr lang="en-US" smtClean="0"/>
               <a:pPr/>
-              <a:t>‹#›</a:t>
+              <a:t>‹Nr.›</a:t>
             </a:fld>
             <a:endParaRPr lang="en-US"/>
           </a:p>
@@ -1331,7 +1336,7 @@
             <a:fld id="{1D8BD707-D9CF-40AE-B4C6-C98DA3205C09}" type="datetimeFigureOut">
               <a:rPr lang="en-US" smtClean="0"/>
               <a:pPr/>
-              <a:t>2018-04-21</a:t>
+              <a:t>4/21/2018</a:t>
             </a:fld>
             <a:endParaRPr lang="en-US"/>
           </a:p>
@@ -1526,7 +1531,7 @@
             <a:fld id="{B6F15528-21DE-4FAA-801E-634DDDAF4B2B}" type="slidenum">
               <a:rPr lang="en-US" smtClean="0"/>
               <a:pPr/>
-              <a:t>‹#›</a:t>
+              <a:t>‹Nr.›</a:t>
             </a:fld>
             <a:endParaRPr lang="en-US"/>
           </a:p>
@@ -1598,7 +1603,7 @@
             <a:fld id="{1D8BD707-D9CF-40AE-B4C6-C98DA3205C09}" type="datetimeFigureOut">
               <a:rPr lang="en-US" smtClean="0"/>
               <a:pPr/>
-              <a:t>2018-04-21</a:t>
+              <a:t>4/21/2018</a:t>
             </a:fld>
             <a:endParaRPr lang="en-US"/>
           </a:p>
@@ -1641,7 +1646,7 @@
             <a:fld id="{B6F15528-21DE-4FAA-801E-634DDDAF4B2B}" type="slidenum">
               <a:rPr lang="en-US" smtClean="0"/>
               <a:pPr/>
-              <a:t>‹#›</a:t>
+              <a:t>‹Nr.›</a:t>
             </a:fld>
             <a:endParaRPr lang="en-US"/>
           </a:p>
@@ -1962,7 +1967,7 @@
             <a:fld id="{1D8BD707-D9CF-40AE-B4C6-C98DA3205C09}" type="datetimeFigureOut">
               <a:rPr lang="en-US" smtClean="0"/>
               <a:pPr/>
-              <a:t>2018-04-21</a:t>
+              <a:t>4/21/2018</a:t>
             </a:fld>
             <a:endParaRPr lang="en-US"/>
           </a:p>
@@ -2005,7 +2010,7 @@
             <a:fld id="{B6F15528-21DE-4FAA-801E-634DDDAF4B2B}" type="slidenum">
               <a:rPr lang="en-US" smtClean="0"/>
               <a:pPr/>
-              <a:t>‹#›</a:t>
+              <a:t>‹Nr.›</a:t>
             </a:fld>
             <a:endParaRPr lang="en-US"/>
           </a:p>
@@ -2191,7 +2196,7 @@
             <a:fld id="{1D8BD707-D9CF-40AE-B4C6-C98DA3205C09}" type="datetimeFigureOut">
               <a:rPr lang="en-US" smtClean="0"/>
               <a:pPr/>
-              <a:t>2018-04-21</a:t>
+              <a:t>4/21/2018</a:t>
             </a:fld>
             <a:endParaRPr lang="en-US"/>
           </a:p>
@@ -2234,7 +2239,7 @@
             <a:fld id="{B6F15528-21DE-4FAA-801E-634DDDAF4B2B}" type="slidenum">
               <a:rPr lang="en-US" smtClean="0"/>
               <a:pPr/>
-              <a:t>‹#›</a:t>
+              <a:t>‹Nr.›</a:t>
             </a:fld>
             <a:endParaRPr lang="en-US"/>
           </a:p>
@@ -2283,7 +2288,7 @@
             <a:fld id="{1D8BD707-D9CF-40AE-B4C6-C98DA3205C09}" type="datetimeFigureOut">
               <a:rPr lang="en-US" smtClean="0"/>
               <a:pPr/>
-              <a:t>2018-04-21</a:t>
+              <a:t>4/21/2018</a:t>
             </a:fld>
             <a:endParaRPr lang="en-US"/>
           </a:p>
@@ -2326,7 +2331,7 @@
             <a:fld id="{B6F15528-21DE-4FAA-801E-634DDDAF4B2B}" type="slidenum">
               <a:rPr lang="en-US" smtClean="0"/>
               <a:pPr/>
-              <a:t>‹#›</a:t>
+              <a:t>‹Nr.›</a:t>
             </a:fld>
             <a:endParaRPr lang="en-US"/>
           </a:p>
@@ -2552,7 +2557,7 @@
             <a:fld id="{1D8BD707-D9CF-40AE-B4C6-C98DA3205C09}" type="datetimeFigureOut">
               <a:rPr lang="en-US" smtClean="0"/>
               <a:pPr/>
-              <a:t>2018-04-21</a:t>
+              <a:t>4/21/2018</a:t>
             </a:fld>
             <a:endParaRPr lang="en-US"/>
           </a:p>
@@ -2595,7 +2600,7 @@
             <a:fld id="{B6F15528-21DE-4FAA-801E-634DDDAF4B2B}" type="slidenum">
               <a:rPr lang="en-US" smtClean="0"/>
               <a:pPr/>
-              <a:t>‹#›</a:t>
+              <a:t>‹Nr.›</a:t>
             </a:fld>
             <a:endParaRPr lang="en-US"/>
           </a:p>
@@ -2782,7 +2787,7 @@
             <a:fld id="{1D8BD707-D9CF-40AE-B4C6-C98DA3205C09}" type="datetimeFigureOut">
               <a:rPr lang="en-US" smtClean="0"/>
               <a:pPr/>
-              <a:t>2018-04-21</a:t>
+              <a:t>4/21/2018</a:t>
             </a:fld>
             <a:endParaRPr lang="en-US"/>
           </a:p>
@@ -2835,7 +2840,7 @@
             <a:fld id="{B6F15528-21DE-4FAA-801E-634DDDAF4B2B}" type="slidenum">
               <a:rPr lang="en-US" smtClean="0"/>
               <a:pPr/>
-              <a:t>‹#›</a:t>
+              <a:t>‹Nr.›</a:t>
             </a:fld>
             <a:endParaRPr lang="en-US"/>
           </a:p>
@@ -3283,7 +3288,7 @@
             <a:fld id="{1D8BD707-D9CF-40AE-B4C6-C98DA3205C09}" type="datetimeFigureOut">
               <a:rPr lang="en-US" smtClean="0"/>
               <a:pPr/>
-              <a:t>2018-04-21</a:t>
+              <a:t>4/21/2018</a:t>
             </a:fld>
             <a:endParaRPr lang="en-US"/>
           </a:p>
@@ -3366,7 +3371,7 @@
             <a:fld id="{B6F15528-21DE-4FAA-801E-634DDDAF4B2B}" type="slidenum">
               <a:rPr lang="en-US" smtClean="0"/>
               <a:pPr/>
-              <a:t>‹#›</a:t>
+              <a:t>‹Nr.›</a:t>
             </a:fld>
             <a:endParaRPr lang="en-US"/>
           </a:p>
@@ -3780,6 +3785,738 @@
 </p:sld>
 </file>
 
+<file path=ppt/slides/slide10.xml><?xml version="1.0" encoding="utf-8"?>
+<p:sld xmlns:a="http://schemas.openxmlformats.org/drawingml/2006/main" xmlns:r="http://schemas.openxmlformats.org/officeDocument/2006/relationships" xmlns:p="http://schemas.openxmlformats.org/presentationml/2006/main">
+  <p:cSld>
+    <p:spTree>
+      <p:nvGrpSpPr>
+        <p:cNvPr id="1" name=""/>
+        <p:cNvGrpSpPr/>
+        <p:nvPr/>
+      </p:nvGrpSpPr>
+      <p:grpSpPr>
+        <a:xfrm>
+          <a:off x="0" y="0"/>
+          <a:ext cx="0" cy="0"/>
+          <a:chOff x="0" y="0"/>
+          <a:chExt cx="0" cy="0"/>
+        </a:xfrm>
+      </p:grpSpPr>
+      <p:sp>
+        <p:nvSpPr>
+          <p:cNvPr id="2" name="Titel 1"/>
+          <p:cNvSpPr>
+            <a:spLocks noGrp="1"/>
+          </p:cNvSpPr>
+          <p:nvPr>
+            <p:ph type="title"/>
+          </p:nvPr>
+        </p:nvSpPr>
+        <p:spPr/>
+        <p:txBody>
+          <a:bodyPr/>
+          <a:lstStyle/>
+          <a:p>
+            <a:r>
+              <a:rPr lang="de-AT" dirty="0" err="1" smtClean="0"/>
+              <a:t>Unsupervised</a:t>
+            </a:r>
+            <a:r>
+              <a:rPr lang="de-AT" dirty="0" smtClean="0"/>
+              <a:t> </a:t>
+            </a:r>
+            <a:r>
+              <a:rPr lang="de-AT" dirty="0" err="1" smtClean="0"/>
+              <a:t>learning</a:t>
+            </a:r>
+            <a:r>
+              <a:rPr lang="de-AT" dirty="0" smtClean="0"/>
+              <a:t> </a:t>
+            </a:r>
+            <a:r>
+              <a:rPr lang="de-AT" dirty="0" err="1" smtClean="0"/>
+              <a:t>approach</a:t>
+            </a:r>
+            <a:endParaRPr lang="de-AT" dirty="0"/>
+          </a:p>
+        </p:txBody>
+      </p:sp>
+      <p:pic>
+        <p:nvPicPr>
+          <p:cNvPr id="4" name="Inhaltsplatzhalter 3"/>
+          <p:cNvPicPr>
+            <a:picLocks noGrp="1" noChangeAspect="1"/>
+          </p:cNvPicPr>
+          <p:nvPr>
+            <p:ph sz="quarter" idx="1"/>
+          </p:nvPr>
+        </p:nvPicPr>
+        <p:blipFill>
+          <a:blip r:embed="rId2">
+            <a:extLst>
+              <a:ext uri="{28A0092B-C50C-407E-A947-70E740481C1C}">
+                <a14:useLocalDpi xmlns:a14="http://schemas.microsoft.com/office/drawing/2010/main" val="0"/>
+              </a:ext>
+            </a:extLst>
+          </a:blip>
+          <a:stretch>
+            <a:fillRect/>
+          </a:stretch>
+        </p:blipFill>
+        <p:spPr>
+          <a:xfrm>
+            <a:off x="457200" y="1582045"/>
+            <a:ext cx="8229600" cy="4556657"/>
+          </a:xfrm>
+        </p:spPr>
+      </p:pic>
+    </p:spTree>
+    <p:extLst>
+      <p:ext uri="{BB962C8B-B14F-4D97-AF65-F5344CB8AC3E}">
+        <p14:creationId xmlns:p14="http://schemas.microsoft.com/office/powerpoint/2010/main" val="3034159450"/>
+      </p:ext>
+    </p:extLst>
+  </p:cSld>
+  <p:clrMapOvr>
+    <a:masterClrMapping/>
+  </p:clrMapOvr>
+  <p:timing>
+    <p:tnLst>
+      <p:par>
+        <p:cTn id="1" dur="indefinite" restart="never" nodeType="tmRoot"/>
+      </p:par>
+    </p:tnLst>
+  </p:timing>
+</p:sld>
+</file>
+
+<file path=ppt/slides/slide11.xml><?xml version="1.0" encoding="utf-8"?>
+<p:sld xmlns:a="http://schemas.openxmlformats.org/drawingml/2006/main" xmlns:r="http://schemas.openxmlformats.org/officeDocument/2006/relationships" xmlns:p="http://schemas.openxmlformats.org/presentationml/2006/main">
+  <p:cSld>
+    <p:spTree>
+      <p:nvGrpSpPr>
+        <p:cNvPr id="1" name=""/>
+        <p:cNvGrpSpPr/>
+        <p:nvPr/>
+      </p:nvGrpSpPr>
+      <p:grpSpPr>
+        <a:xfrm>
+          <a:off x="0" y="0"/>
+          <a:ext cx="0" cy="0"/>
+          <a:chOff x="0" y="0"/>
+          <a:chExt cx="0" cy="0"/>
+        </a:xfrm>
+      </p:grpSpPr>
+      <p:sp>
+        <p:nvSpPr>
+          <p:cNvPr id="2" name="Titel 1"/>
+          <p:cNvSpPr>
+            <a:spLocks noGrp="1"/>
+          </p:cNvSpPr>
+          <p:nvPr>
+            <p:ph type="title"/>
+          </p:nvPr>
+        </p:nvSpPr>
+        <p:spPr/>
+        <p:txBody>
+          <a:bodyPr/>
+          <a:lstStyle/>
+          <a:p>
+            <a:r>
+              <a:rPr lang="de-AT" dirty="0" smtClean="0"/>
+              <a:t>Final </a:t>
+            </a:r>
+            <a:r>
+              <a:rPr lang="de-AT" dirty="0" err="1" smtClean="0"/>
+              <a:t>result</a:t>
+            </a:r>
+            <a:endParaRPr lang="de-AT" dirty="0"/>
+          </a:p>
+        </p:txBody>
+      </p:sp>
+      <p:sp>
+        <p:nvSpPr>
+          <p:cNvPr id="4" name="Interaktive Schaltfläche: Nächste(r) oder Weiter 3">
+            <a:hlinkClick r:id="rId2" action="ppaction://hlinkfile" highlightClick="1"/>
+          </p:cNvPr>
+          <p:cNvSpPr/>
+          <p:nvPr/>
+        </p:nvSpPr>
+        <p:spPr>
+          <a:xfrm>
+            <a:off x="1447800" y="1828800"/>
+            <a:ext cx="1752600" cy="1066800"/>
+          </a:xfrm>
+          <a:prstGeom prst="actionButtonForwardNext">
+            <a:avLst/>
+          </a:prstGeom>
+        </p:spPr>
+        <p:style>
+          <a:lnRef idx="2">
+            <a:schemeClr val="accent1">
+              <a:shade val="50000"/>
+            </a:schemeClr>
+          </a:lnRef>
+          <a:fillRef idx="1">
+            <a:schemeClr val="accent1"/>
+          </a:fillRef>
+          <a:effectRef idx="0">
+            <a:schemeClr val="accent1"/>
+          </a:effectRef>
+          <a:fontRef idx="minor">
+            <a:schemeClr val="lt1"/>
+          </a:fontRef>
+        </p:style>
+        <p:txBody>
+          <a:bodyPr rtlCol="0" anchor="ctr"/>
+          <a:lstStyle/>
+          <a:p>
+            <a:pPr algn="ctr"/>
+            <a:endParaRPr lang="de-AT"/>
+          </a:p>
+        </p:txBody>
+      </p:sp>
+    </p:spTree>
+    <p:extLst>
+      <p:ext uri="{BB962C8B-B14F-4D97-AF65-F5344CB8AC3E}">
+        <p14:creationId xmlns:p14="http://schemas.microsoft.com/office/powerpoint/2010/main" val="4169155519"/>
+      </p:ext>
+    </p:extLst>
+  </p:cSld>
+  <p:clrMapOvr>
+    <a:masterClrMapping/>
+  </p:clrMapOvr>
+  <p:timing>
+    <p:tnLst>
+      <p:par>
+        <p:cTn id="1" dur="indefinite" restart="never" nodeType="tmRoot"/>
+      </p:par>
+    </p:tnLst>
+  </p:timing>
+</p:sld>
+</file>
+
+<file path=ppt/slides/slide12.xml><?xml version="1.0" encoding="utf-8"?>
+<p:sld xmlns:a="http://schemas.openxmlformats.org/drawingml/2006/main" xmlns:r="http://schemas.openxmlformats.org/officeDocument/2006/relationships" xmlns:p="http://schemas.openxmlformats.org/presentationml/2006/main">
+  <p:cSld>
+    <p:spTree>
+      <p:nvGrpSpPr>
+        <p:cNvPr id="1" name=""/>
+        <p:cNvGrpSpPr/>
+        <p:nvPr/>
+      </p:nvGrpSpPr>
+      <p:grpSpPr>
+        <a:xfrm>
+          <a:off x="0" y="0"/>
+          <a:ext cx="0" cy="0"/>
+          <a:chOff x="0" y="0"/>
+          <a:chExt cx="0" cy="0"/>
+        </a:xfrm>
+      </p:grpSpPr>
+      <p:sp>
+        <p:nvSpPr>
+          <p:cNvPr id="2" name="Titel 1"/>
+          <p:cNvSpPr>
+            <a:spLocks noGrp="1"/>
+          </p:cNvSpPr>
+          <p:nvPr>
+            <p:ph type="title"/>
+          </p:nvPr>
+        </p:nvSpPr>
+        <p:spPr/>
+        <p:txBody>
+          <a:bodyPr/>
+          <a:lstStyle/>
+          <a:p>
+            <a:r>
+              <a:rPr lang="de-AT" dirty="0" err="1" smtClean="0"/>
+              <a:t>Suggestions</a:t>
+            </a:r>
+            <a:r>
+              <a:rPr lang="de-AT" dirty="0" smtClean="0"/>
+              <a:t> </a:t>
+            </a:r>
+            <a:r>
+              <a:rPr lang="de-AT" dirty="0" err="1" smtClean="0"/>
+              <a:t>for</a:t>
+            </a:r>
+            <a:r>
+              <a:rPr lang="de-AT" dirty="0" smtClean="0"/>
+              <a:t> </a:t>
+            </a:r>
+            <a:r>
+              <a:rPr lang="de-AT" dirty="0" err="1" smtClean="0"/>
+              <a:t>future</a:t>
+            </a:r>
+            <a:r>
+              <a:rPr lang="de-AT" dirty="0" smtClean="0"/>
+              <a:t> </a:t>
+            </a:r>
+            <a:r>
+              <a:rPr lang="de-AT" dirty="0" err="1" smtClean="0"/>
+              <a:t>research</a:t>
+            </a:r>
+            <a:endParaRPr lang="de-AT" dirty="0"/>
+          </a:p>
+        </p:txBody>
+      </p:sp>
+      <p:sp>
+        <p:nvSpPr>
+          <p:cNvPr id="3" name="Inhaltsplatzhalter 2"/>
+          <p:cNvSpPr>
+            <a:spLocks noGrp="1"/>
+          </p:cNvSpPr>
+          <p:nvPr>
+            <p:ph sz="quarter" idx="1"/>
+          </p:nvPr>
+        </p:nvSpPr>
+        <p:spPr/>
+        <p:txBody>
+          <a:bodyPr>
+            <a:normAutofit fontScale="92500" lnSpcReduction="20000"/>
+          </a:bodyPr>
+          <a:lstStyle/>
+          <a:p>
+            <a:r>
+              <a:rPr lang="en-US" dirty="0" smtClean="0"/>
+              <a:t>More accurate exploratory and cleaning process of the data =&gt; </a:t>
+            </a:r>
+            <a:r>
+              <a:rPr lang="en-US" i="1" dirty="0" smtClean="0"/>
+              <a:t>“More data dominates better techniques”</a:t>
+            </a:r>
+          </a:p>
+          <a:p>
+            <a:r>
+              <a:rPr lang="en-US" dirty="0"/>
+              <a:t>Normalization of variables for better interpretation of coefficients</a:t>
+            </a:r>
+            <a:endParaRPr lang="de-AT" dirty="0"/>
+          </a:p>
+          <a:p>
+            <a:r>
+              <a:rPr lang="en-US" dirty="0" smtClean="0"/>
+              <a:t>Possible </a:t>
+            </a:r>
+            <a:r>
+              <a:rPr lang="en-US" dirty="0"/>
+              <a:t>models (an overview for future discussion</a:t>
+            </a:r>
+            <a:r>
+              <a:rPr lang="en-US" dirty="0" smtClean="0"/>
+              <a:t>)</a:t>
+            </a:r>
+          </a:p>
+          <a:p>
+            <a:pPr marL="320040" lvl="1" indent="0">
+              <a:buNone/>
+            </a:pPr>
+            <a:r>
+              <a:rPr lang="en-US" dirty="0" smtClean="0"/>
+              <a:t>- Random forest</a:t>
+            </a:r>
+            <a:endParaRPr lang="en-US" dirty="0"/>
+          </a:p>
+          <a:p>
+            <a:r>
+              <a:rPr lang="de-AT" dirty="0" err="1" smtClean="0"/>
+              <a:t>Gain</a:t>
+            </a:r>
+            <a:r>
+              <a:rPr lang="de-AT" dirty="0" smtClean="0"/>
+              <a:t> a </a:t>
+            </a:r>
+            <a:r>
+              <a:rPr lang="de-AT" dirty="0" err="1" smtClean="0"/>
+              <a:t>better</a:t>
+            </a:r>
+            <a:r>
+              <a:rPr lang="de-AT" dirty="0" smtClean="0"/>
+              <a:t> </a:t>
+            </a:r>
+            <a:r>
+              <a:rPr lang="de-AT" dirty="0" err="1" smtClean="0"/>
+              <a:t>understanding</a:t>
+            </a:r>
+            <a:r>
+              <a:rPr lang="de-AT" dirty="0" smtClean="0"/>
+              <a:t> </a:t>
+            </a:r>
+            <a:r>
+              <a:rPr lang="de-AT" dirty="0" err="1" smtClean="0"/>
+              <a:t>of</a:t>
+            </a:r>
+            <a:r>
+              <a:rPr lang="de-AT" dirty="0" smtClean="0"/>
+              <a:t> </a:t>
+            </a:r>
+            <a:r>
+              <a:rPr lang="de-AT" dirty="0" err="1" smtClean="0"/>
+              <a:t>the</a:t>
+            </a:r>
+            <a:r>
+              <a:rPr lang="de-AT" dirty="0" smtClean="0"/>
+              <a:t> </a:t>
+            </a:r>
+            <a:r>
+              <a:rPr lang="de-AT" dirty="0" err="1" smtClean="0"/>
+              <a:t>complex</a:t>
+            </a:r>
+            <a:r>
+              <a:rPr lang="de-AT" dirty="0" smtClean="0"/>
+              <a:t> matter </a:t>
+            </a:r>
+            <a:r>
+              <a:rPr lang="de-AT" dirty="0" err="1" smtClean="0"/>
+              <a:t>of</a:t>
+            </a:r>
+            <a:r>
+              <a:rPr lang="de-AT" dirty="0" smtClean="0"/>
+              <a:t> </a:t>
+            </a:r>
+            <a:r>
+              <a:rPr lang="de-AT" dirty="0" err="1" smtClean="0"/>
+              <a:t>civil</a:t>
+            </a:r>
+            <a:r>
+              <a:rPr lang="de-AT" dirty="0" smtClean="0"/>
+              <a:t> </a:t>
+            </a:r>
+            <a:r>
+              <a:rPr lang="de-AT" dirty="0" err="1" smtClean="0"/>
+              <a:t>society</a:t>
+            </a:r>
+            <a:r>
+              <a:rPr lang="de-AT" dirty="0" smtClean="0"/>
+              <a:t> </a:t>
+            </a:r>
+            <a:r>
+              <a:rPr lang="de-AT" dirty="0" err="1" smtClean="0"/>
+              <a:t>by</a:t>
+            </a:r>
+            <a:r>
+              <a:rPr lang="de-AT" dirty="0"/>
+              <a:t>:</a:t>
+            </a:r>
+            <a:endParaRPr lang="de-AT" dirty="0" smtClean="0"/>
+          </a:p>
+          <a:p>
+            <a:pPr lvl="1">
+              <a:buFontTx/>
+              <a:buChar char="-"/>
+            </a:pPr>
+            <a:r>
+              <a:rPr lang="de-AT" dirty="0" err="1" smtClean="0"/>
+              <a:t>conducting</a:t>
+            </a:r>
+            <a:r>
+              <a:rPr lang="de-AT" dirty="0" smtClean="0"/>
+              <a:t> </a:t>
+            </a:r>
+            <a:r>
+              <a:rPr lang="de-AT" dirty="0" err="1" smtClean="0"/>
+              <a:t>case</a:t>
+            </a:r>
+            <a:r>
+              <a:rPr lang="de-AT" dirty="0" smtClean="0"/>
+              <a:t> </a:t>
+            </a:r>
+            <a:r>
+              <a:rPr lang="de-AT" dirty="0" err="1" smtClean="0"/>
+              <a:t>studies</a:t>
+            </a:r>
+            <a:r>
+              <a:rPr lang="de-AT" dirty="0" smtClean="0"/>
+              <a:t> </a:t>
+            </a:r>
+            <a:r>
+              <a:rPr lang="de-AT" dirty="0" err="1" smtClean="0"/>
+              <a:t>for</a:t>
+            </a:r>
+            <a:r>
+              <a:rPr lang="de-AT" dirty="0"/>
+              <a:t> </a:t>
+            </a:r>
+            <a:r>
+              <a:rPr lang="de-AT" dirty="0" smtClean="0"/>
+              <a:t>countries </a:t>
+            </a:r>
+            <a:r>
+              <a:rPr lang="de-AT" dirty="0" err="1" smtClean="0"/>
+              <a:t>that</a:t>
+            </a:r>
+            <a:r>
+              <a:rPr lang="de-AT" dirty="0" smtClean="0"/>
+              <a:t> </a:t>
+            </a:r>
+            <a:r>
+              <a:rPr lang="de-AT" dirty="0" err="1" smtClean="0"/>
+              <a:t>disclose</a:t>
+            </a:r>
+            <a:r>
+              <a:rPr lang="de-AT" dirty="0" smtClean="0"/>
+              <a:t> </a:t>
+            </a:r>
+            <a:r>
+              <a:rPr lang="de-AT" dirty="0" err="1" smtClean="0"/>
+              <a:t>exceptional</a:t>
+            </a:r>
+            <a:r>
+              <a:rPr lang="de-AT" dirty="0" smtClean="0"/>
+              <a:t> </a:t>
+            </a:r>
+            <a:r>
+              <a:rPr lang="de-AT" dirty="0" err="1" smtClean="0"/>
+              <a:t>behaviour</a:t>
+            </a:r>
+            <a:r>
+              <a:rPr lang="de-AT" dirty="0" smtClean="0"/>
+              <a:t> in multiple </a:t>
+            </a:r>
+            <a:r>
+              <a:rPr lang="de-AT" dirty="0" err="1" smtClean="0"/>
+              <a:t>dimensions</a:t>
+            </a:r>
+            <a:r>
+              <a:rPr lang="de-AT" dirty="0" smtClean="0"/>
+              <a:t> (e.g. Ukraine)</a:t>
+            </a:r>
+          </a:p>
+          <a:p>
+            <a:pPr lvl="1">
+              <a:buFontTx/>
+              <a:buChar char="-"/>
+            </a:pPr>
+            <a:r>
+              <a:rPr lang="de-AT" dirty="0" err="1" smtClean="0"/>
+              <a:t>using</a:t>
+            </a:r>
+            <a:r>
+              <a:rPr lang="de-AT" dirty="0" smtClean="0"/>
+              <a:t> regional </a:t>
+            </a:r>
+            <a:r>
+              <a:rPr lang="de-AT" dirty="0" err="1" smtClean="0"/>
+              <a:t>data</a:t>
+            </a:r>
+            <a:r>
+              <a:rPr lang="de-AT" dirty="0" smtClean="0"/>
+              <a:t> </a:t>
+            </a:r>
+            <a:r>
+              <a:rPr lang="de-AT" dirty="0" err="1" smtClean="0"/>
+              <a:t>and</a:t>
+            </a:r>
+            <a:r>
+              <a:rPr lang="de-AT" dirty="0" smtClean="0"/>
+              <a:t> </a:t>
+            </a:r>
+            <a:r>
+              <a:rPr lang="de-AT" dirty="0" err="1" smtClean="0"/>
+              <a:t>spatial</a:t>
+            </a:r>
+            <a:r>
+              <a:rPr lang="de-AT" dirty="0" smtClean="0"/>
+              <a:t> </a:t>
+            </a:r>
+            <a:r>
+              <a:rPr lang="de-AT" dirty="0" err="1" smtClean="0"/>
+              <a:t>analysis</a:t>
+            </a:r>
+            <a:endParaRPr lang="de-AT" dirty="0" smtClean="0"/>
+          </a:p>
+          <a:p>
+            <a:pPr lvl="1">
+              <a:buFontTx/>
+              <a:buChar char="-"/>
+            </a:pPr>
+            <a:r>
+              <a:rPr lang="de-AT" dirty="0" err="1" smtClean="0"/>
+              <a:t>implementing</a:t>
+            </a:r>
+            <a:r>
+              <a:rPr lang="de-AT" dirty="0" smtClean="0"/>
+              <a:t> </a:t>
+            </a:r>
+            <a:r>
+              <a:rPr lang="de-AT" dirty="0" err="1" smtClean="0"/>
+              <a:t>microeconomic</a:t>
+            </a:r>
+            <a:r>
+              <a:rPr lang="de-AT" dirty="0" smtClean="0"/>
+              <a:t> </a:t>
+            </a:r>
+            <a:r>
+              <a:rPr lang="de-AT" dirty="0" err="1" smtClean="0"/>
+              <a:t>data</a:t>
+            </a:r>
+            <a:r>
+              <a:rPr lang="de-AT" dirty="0" smtClean="0"/>
+              <a:t> </a:t>
+            </a:r>
+            <a:r>
+              <a:rPr lang="de-AT" dirty="0" err="1" smtClean="0"/>
+              <a:t>and</a:t>
+            </a:r>
+            <a:r>
+              <a:rPr lang="de-AT" dirty="0" smtClean="0"/>
+              <a:t>/</a:t>
+            </a:r>
+            <a:r>
+              <a:rPr lang="de-AT" dirty="0" err="1" smtClean="0"/>
+              <a:t>or</a:t>
+            </a:r>
+            <a:r>
+              <a:rPr lang="de-AT" dirty="0" smtClean="0"/>
+              <a:t> </a:t>
+            </a:r>
+            <a:r>
+              <a:rPr lang="de-AT" dirty="0" err="1" smtClean="0"/>
+              <a:t>behavioural</a:t>
+            </a:r>
+            <a:r>
+              <a:rPr lang="de-AT" dirty="0" smtClean="0"/>
+              <a:t> </a:t>
+            </a:r>
+            <a:r>
+              <a:rPr lang="de-AT" dirty="0" err="1" smtClean="0"/>
+              <a:t>approaches</a:t>
+            </a:r>
+            <a:r>
+              <a:rPr lang="de-AT" dirty="0" smtClean="0"/>
+              <a:t> (e.g. </a:t>
+            </a:r>
+            <a:r>
+              <a:rPr lang="de-AT" dirty="0" err="1" smtClean="0"/>
+              <a:t>from</a:t>
+            </a:r>
+            <a:r>
+              <a:rPr lang="de-AT" dirty="0" smtClean="0"/>
+              <a:t> </a:t>
+            </a:r>
+            <a:r>
+              <a:rPr lang="de-AT" dirty="0" err="1" smtClean="0"/>
+              <a:t>household</a:t>
+            </a:r>
+            <a:r>
+              <a:rPr lang="de-AT" dirty="0" smtClean="0"/>
+              <a:t> </a:t>
+            </a:r>
+            <a:r>
+              <a:rPr lang="de-AT" dirty="0" err="1" smtClean="0"/>
+              <a:t>surveys</a:t>
+            </a:r>
+            <a:r>
+              <a:rPr lang="de-AT" dirty="0" smtClean="0"/>
+              <a:t>) </a:t>
+            </a:r>
+            <a:r>
+              <a:rPr lang="de-AT" dirty="0" err="1" smtClean="0"/>
+              <a:t>to</a:t>
+            </a:r>
+            <a:r>
+              <a:rPr lang="de-AT" dirty="0" smtClean="0"/>
+              <a:t> </a:t>
+            </a:r>
+            <a:r>
+              <a:rPr lang="de-AT" dirty="0" err="1" smtClean="0"/>
+              <a:t>explain</a:t>
+            </a:r>
+            <a:r>
+              <a:rPr lang="de-AT" dirty="0" smtClean="0"/>
+              <a:t> </a:t>
+            </a:r>
+            <a:r>
+              <a:rPr lang="de-AT" dirty="0" err="1" smtClean="0"/>
+              <a:t>what</a:t>
+            </a:r>
+            <a:r>
+              <a:rPr lang="de-AT" dirty="0" smtClean="0"/>
+              <a:t> </a:t>
+            </a:r>
+            <a:r>
+              <a:rPr lang="de-AT" dirty="0" err="1" smtClean="0"/>
+              <a:t>drives</a:t>
+            </a:r>
+            <a:r>
+              <a:rPr lang="de-AT" dirty="0" smtClean="0"/>
+              <a:t>/</a:t>
+            </a:r>
+            <a:r>
+              <a:rPr lang="de-AT" dirty="0" err="1" smtClean="0"/>
+              <a:t>motivates</a:t>
+            </a:r>
+            <a:r>
+              <a:rPr lang="de-AT" dirty="0" smtClean="0"/>
+              <a:t> </a:t>
+            </a:r>
+            <a:r>
+              <a:rPr lang="de-AT" dirty="0" err="1" smtClean="0"/>
+              <a:t>people</a:t>
+            </a:r>
+            <a:r>
+              <a:rPr lang="de-AT" dirty="0" smtClean="0"/>
+              <a:t> </a:t>
+            </a:r>
+            <a:r>
+              <a:rPr lang="de-AT" dirty="0" err="1" smtClean="0"/>
+              <a:t>to</a:t>
+            </a:r>
+            <a:r>
+              <a:rPr lang="de-AT" dirty="0" smtClean="0"/>
+              <a:t> </a:t>
+            </a:r>
+            <a:r>
+              <a:rPr lang="de-AT" dirty="0" err="1" smtClean="0"/>
+              <a:t>engage</a:t>
+            </a:r>
+            <a:r>
+              <a:rPr lang="de-AT" dirty="0" smtClean="0"/>
+              <a:t> in </a:t>
+            </a:r>
+            <a:r>
+              <a:rPr lang="de-AT" dirty="0" err="1" smtClean="0"/>
+              <a:t>civil</a:t>
+            </a:r>
+            <a:r>
+              <a:rPr lang="de-AT" dirty="0" smtClean="0"/>
+              <a:t> </a:t>
+            </a:r>
+            <a:r>
+              <a:rPr lang="de-AT" dirty="0" err="1" smtClean="0"/>
+              <a:t>society</a:t>
+            </a:r>
+            <a:endParaRPr lang="de-AT" dirty="0" smtClean="0"/>
+          </a:p>
+          <a:p>
+            <a:pPr lvl="1">
+              <a:buFontTx/>
+              <a:buChar char="-"/>
+            </a:pPr>
+            <a:endParaRPr lang="de-AT" dirty="0"/>
+          </a:p>
+        </p:txBody>
+      </p:sp>
+    </p:spTree>
+    <p:extLst>
+      <p:ext uri="{BB962C8B-B14F-4D97-AF65-F5344CB8AC3E}">
+        <p14:creationId xmlns:p14="http://schemas.microsoft.com/office/powerpoint/2010/main" val="168201750"/>
+      </p:ext>
+    </p:extLst>
+  </p:cSld>
+  <p:clrMapOvr>
+    <a:masterClrMapping/>
+  </p:clrMapOvr>
+  <p:timing>
+    <p:tnLst>
+      <p:par>
+        <p:cTn id="1" dur="indefinite" restart="never" nodeType="tmRoot"/>
+      </p:par>
+    </p:tnLst>
+  </p:timing>
+</p:sld>
+</file>
+
 <file path=ppt/slides/slide2.xml><?xml version="1.0" encoding="utf-8"?>
 <p:sld xmlns:a="http://schemas.openxmlformats.org/drawingml/2006/main" xmlns:r="http://schemas.openxmlformats.org/officeDocument/2006/relationships" xmlns:p="http://schemas.openxmlformats.org/presentationml/2006/main">
   <p:cSld>
@@ -3892,6 +4629,13 @@
   <p:clrMapOvr>
     <a:masterClrMapping/>
   </p:clrMapOvr>
+  <p:timing>
+    <p:tnLst>
+      <p:par>
+        <p:cTn id="1" dur="indefinite" restart="never" nodeType="tmRoot"/>
+      </p:par>
+    </p:tnLst>
+  </p:timing>
 </p:sld>
 </file>
 
@@ -3937,29 +4681,36 @@
           </a:p>
         </p:txBody>
       </p:sp>
-      <p:sp>
-        <p:nvSpPr>
-          <p:cNvPr id="3" name="Content Placeholder 2"/>
-          <p:cNvSpPr>
-            <a:spLocks noGrp="1"/>
-          </p:cNvSpPr>
-          <p:nvPr>
-            <p:ph sz="quarter" idx="1"/>
-          </p:nvPr>
-        </p:nvSpPr>
-        <p:spPr/>
-        <p:txBody>
-          <a:bodyPr/>
-          <a:lstStyle/>
-          <a:p>
-            <a:r>
-              <a:rPr lang="en-US" dirty="0" smtClean="0"/>
-              <a:t>Graph</a:t>
-            </a:r>
-            <a:endParaRPr lang="en-GB" dirty="0"/>
-          </a:p>
-        </p:txBody>
-      </p:sp>
+      <p:pic>
+        <p:nvPicPr>
+          <p:cNvPr id="4" name="Grafik 3"/>
+          <p:cNvPicPr>
+            <a:picLocks noChangeAspect="1"/>
+          </p:cNvPicPr>
+          <p:nvPr/>
+        </p:nvPicPr>
+        <p:blipFill>
+          <a:blip r:embed="rId2">
+            <a:extLst>
+              <a:ext uri="{28A0092B-C50C-407E-A947-70E740481C1C}">
+                <a14:useLocalDpi xmlns:a14="http://schemas.microsoft.com/office/drawing/2010/main" val="0"/>
+              </a:ext>
+            </a:extLst>
+          </a:blip>
+          <a:stretch>
+            <a:fillRect/>
+          </a:stretch>
+        </p:blipFill>
+        <p:spPr>
+          <a:xfrm>
+            <a:off x="1828800" y="1219200"/>
+            <a:ext cx="6156613" cy="5334000"/>
+          </a:xfrm>
+          <a:prstGeom prst="rect">
+            <a:avLst/>
+          </a:prstGeom>
+        </p:spPr>
+      </p:pic>
     </p:spTree>
     <p:extLst>
       <p:ext uri="{BB962C8B-B14F-4D97-AF65-F5344CB8AC3E}">
@@ -4003,91 +4754,6 @@
         <p:spPr/>
         <p:txBody>
           <a:bodyPr>
-            <a:normAutofit fontScale="90000"/>
-          </a:bodyPr>
-          <a:lstStyle/>
-          <a:p>
-            <a:r>
-              <a:rPr lang="en-US" dirty="0" smtClean="0"/>
-              <a:t>Variables correlation </a:t>
-            </a:r>
-            <a:br>
-              <a:rPr lang="en-US" dirty="0" smtClean="0"/>
-            </a:br>
-            <a:r>
-              <a:rPr lang="en-US" dirty="0"/>
-              <a:t>	(</a:t>
-            </a:r>
-            <a:r>
-              <a:rPr lang="en-US" dirty="0" smtClean="0"/>
-              <a:t>the case of Ukraine)</a:t>
-            </a:r>
-            <a:endParaRPr lang="en-GB" dirty="0"/>
-          </a:p>
-        </p:txBody>
-      </p:sp>
-      <p:sp>
-        <p:nvSpPr>
-          <p:cNvPr id="3" name="Content Placeholder 2"/>
-          <p:cNvSpPr>
-            <a:spLocks noGrp="1"/>
-          </p:cNvSpPr>
-          <p:nvPr>
-            <p:ph sz="quarter" idx="1"/>
-          </p:nvPr>
-        </p:nvSpPr>
-        <p:spPr/>
-        <p:txBody>
-          <a:bodyPr/>
-          <a:lstStyle/>
-          <a:p>
-            <a:endParaRPr lang="en-GB" dirty="0"/>
-          </a:p>
-        </p:txBody>
-      </p:sp>
-    </p:spTree>
-    <p:extLst>
-      <p:ext uri="{BB962C8B-B14F-4D97-AF65-F5344CB8AC3E}">
-        <p14:creationId xmlns:p14="http://schemas.microsoft.com/office/powerpoint/2010/main" val="2034567011"/>
-      </p:ext>
-    </p:extLst>
-  </p:cSld>
-  <p:clrMapOvr>
-    <a:masterClrMapping/>
-  </p:clrMapOvr>
-</p:sld>
-</file>
-
-<file path=ppt/slides/slide5.xml><?xml version="1.0" encoding="utf-8"?>
-<p:sld xmlns:a="http://schemas.openxmlformats.org/drawingml/2006/main" xmlns:r="http://schemas.openxmlformats.org/officeDocument/2006/relationships" xmlns:p="http://schemas.openxmlformats.org/presentationml/2006/main">
-  <p:cSld>
-    <p:spTree>
-      <p:nvGrpSpPr>
-        <p:cNvPr id="1" name=""/>
-        <p:cNvGrpSpPr/>
-        <p:nvPr/>
-      </p:nvGrpSpPr>
-      <p:grpSpPr>
-        <a:xfrm>
-          <a:off x="0" y="0"/>
-          <a:ext cx="0" cy="0"/>
-          <a:chOff x="0" y="0"/>
-          <a:chExt cx="0" cy="0"/>
-        </a:xfrm>
-      </p:grpSpPr>
-      <p:sp>
-        <p:nvSpPr>
-          <p:cNvPr id="2" name="Title 1"/>
-          <p:cNvSpPr>
-            <a:spLocks noGrp="1"/>
-          </p:cNvSpPr>
-          <p:nvPr>
-            <p:ph type="title"/>
-          </p:nvPr>
-        </p:nvSpPr>
-        <p:spPr/>
-        <p:txBody>
-          <a:bodyPr>
             <a:normAutofit/>
           </a:bodyPr>
           <a:lstStyle/>
@@ -4126,13 +4792,8 @@
             </a:pPr>
             <a:r>
               <a:rPr lang="en-US" dirty="0" smtClean="0"/>
-              <a:t>CSO participatory </a:t>
-            </a:r>
-            <a:r>
-              <a:rPr lang="en-US" dirty="0" smtClean="0"/>
-              <a:t>environment *</a:t>
-            </a:r>
-            <a:endParaRPr lang="en-US" dirty="0" smtClean="0"/>
+              <a:t>CSO participatory environment *</a:t>
+            </a:r>
           </a:p>
           <a:p>
             <a:pPr marL="514350" indent="-514350">
@@ -4151,13 +4812,8 @@
             </a:pPr>
             <a:r>
               <a:rPr lang="en-US" dirty="0" smtClean="0"/>
-              <a:t>CSO </a:t>
-            </a:r>
-            <a:r>
-              <a:rPr lang="en-US" dirty="0" smtClean="0"/>
-              <a:t>Consultation *</a:t>
-            </a:r>
-            <a:endParaRPr lang="en-US" dirty="0" smtClean="0"/>
+              <a:t>CSO Consultation *</a:t>
+            </a:r>
           </a:p>
           <a:p>
             <a:pPr marL="514350" indent="-514350">
@@ -4269,10 +4925,17 @@
   <p:clrMapOvr>
     <a:masterClrMapping/>
   </p:clrMapOvr>
+  <p:timing>
+    <p:tnLst>
+      <p:par>
+        <p:cTn id="1" dur="indefinite" restart="never" nodeType="tmRoot"/>
+      </p:par>
+    </p:tnLst>
+  </p:timing>
 </p:sld>
 </file>
 
-<file path=ppt/slides/slide6.xml><?xml version="1.0" encoding="utf-8"?>
+<file path=ppt/slides/slide5.xml><?xml version="1.0" encoding="utf-8"?>
 <p:sld xmlns:a="http://schemas.openxmlformats.org/drawingml/2006/main" xmlns:r="http://schemas.openxmlformats.org/officeDocument/2006/relationships" xmlns:p="http://schemas.openxmlformats.org/presentationml/2006/main">
   <p:cSld>
     <p:spTree>
@@ -4688,6 +5351,130 @@
   <p:clrMapOvr>
     <a:masterClrMapping/>
   </p:clrMapOvr>
+  <p:timing>
+    <p:tnLst>
+      <p:par>
+        <p:cTn id="1" dur="indefinite" restart="never" nodeType="tmRoot"/>
+      </p:par>
+    </p:tnLst>
+  </p:timing>
+</p:sld>
+</file>
+
+<file path=ppt/slides/slide6.xml><?xml version="1.0" encoding="utf-8"?>
+<p:sld xmlns:a="http://schemas.openxmlformats.org/drawingml/2006/main" xmlns:r="http://schemas.openxmlformats.org/officeDocument/2006/relationships" xmlns:p="http://schemas.openxmlformats.org/presentationml/2006/main">
+  <p:cSld>
+    <p:spTree>
+      <p:nvGrpSpPr>
+        <p:cNvPr id="1" name=""/>
+        <p:cNvGrpSpPr/>
+        <p:nvPr/>
+      </p:nvGrpSpPr>
+      <p:grpSpPr>
+        <a:xfrm>
+          <a:off x="0" y="0"/>
+          <a:ext cx="0" cy="0"/>
+          <a:chOff x="0" y="0"/>
+          <a:chExt cx="0" cy="0"/>
+        </a:xfrm>
+      </p:grpSpPr>
+      <p:sp>
+        <p:nvSpPr>
+          <p:cNvPr id="2" name="Titel 1"/>
+          <p:cNvSpPr>
+            <a:spLocks noGrp="1"/>
+          </p:cNvSpPr>
+          <p:nvPr>
+            <p:ph type="title"/>
+          </p:nvPr>
+        </p:nvSpPr>
+        <p:spPr/>
+        <p:txBody>
+          <a:bodyPr/>
+          <a:lstStyle/>
+          <a:p>
+            <a:r>
+              <a:rPr lang="de-AT" dirty="0" err="1" smtClean="0"/>
+              <a:t>Example</a:t>
+            </a:r>
+            <a:r>
+              <a:rPr lang="de-AT" dirty="0" smtClean="0"/>
+              <a:t>: </a:t>
+            </a:r>
+            <a:r>
+              <a:rPr lang="de-AT" dirty="0" err="1" smtClean="0"/>
+              <a:t>freedom</a:t>
+            </a:r>
+            <a:r>
+              <a:rPr lang="de-AT" dirty="0" smtClean="0"/>
+              <a:t> </a:t>
+            </a:r>
+            <a:r>
+              <a:rPr lang="de-AT" dirty="0" err="1" smtClean="0"/>
+              <a:t>of</a:t>
+            </a:r>
+            <a:r>
+              <a:rPr lang="de-AT" dirty="0" smtClean="0"/>
+              <a:t> </a:t>
+            </a:r>
+            <a:r>
+              <a:rPr lang="de-AT" dirty="0" err="1" smtClean="0"/>
+              <a:t>expression</a:t>
+            </a:r>
+            <a:r>
+              <a:rPr lang="de-AT" dirty="0" smtClean="0"/>
+              <a:t> (1)</a:t>
+            </a:r>
+            <a:endParaRPr lang="de-AT" dirty="0"/>
+          </a:p>
+        </p:txBody>
+      </p:sp>
+      <p:pic>
+        <p:nvPicPr>
+          <p:cNvPr id="4" name="Inhaltsplatzhalter 3"/>
+          <p:cNvPicPr>
+            <a:picLocks noGrp="1" noChangeAspect="1"/>
+          </p:cNvPicPr>
+          <p:nvPr>
+            <p:ph sz="quarter" idx="1"/>
+          </p:nvPr>
+        </p:nvPicPr>
+        <p:blipFill>
+          <a:blip r:embed="rId2">
+            <a:extLst>
+              <a:ext uri="{28A0092B-C50C-407E-A947-70E740481C1C}">
+                <a14:useLocalDpi xmlns:a14="http://schemas.microsoft.com/office/drawing/2010/main" val="0"/>
+              </a:ext>
+            </a:extLst>
+          </a:blip>
+          <a:stretch>
+            <a:fillRect/>
+          </a:stretch>
+        </p:blipFill>
+        <p:spPr>
+          <a:xfrm>
+            <a:off x="2162051" y="1447800"/>
+            <a:ext cx="5277097" cy="4572000"/>
+          </a:xfrm>
+        </p:spPr>
+      </p:pic>
+    </p:spTree>
+    <p:extLst>
+      <p:ext uri="{BB962C8B-B14F-4D97-AF65-F5344CB8AC3E}">
+        <p14:creationId xmlns:p14="http://schemas.microsoft.com/office/powerpoint/2010/main" val="830505866"/>
+      </p:ext>
+    </p:extLst>
+  </p:cSld>
+  <p:clrMapOvr>
+    <a:masterClrMapping/>
+  </p:clrMapOvr>
+  <p:timing>
+    <p:tnLst>
+      <p:par>
+        <p:cTn id="1" dur="indefinite" restart="never" nodeType="tmRoot"/>
+      </p:par>
+    </p:tnLst>
+  </p:timing>
 </p:sld>
 </file>
 
@@ -4710,7 +5497,7 @@
       </p:grpSpPr>
       <p:sp>
         <p:nvSpPr>
-          <p:cNvPr id="2" name="Title 1"/>
+          <p:cNvPr id="2" name="Titel 1"/>
           <p:cNvSpPr>
             <a:spLocks noGrp="1"/>
           </p:cNvSpPr>
@@ -4724,91 +5511,412 @@
           <a:lstStyle/>
           <a:p>
             <a:r>
-              <a:rPr lang="en-US" dirty="0" smtClean="0"/>
-              <a:t>Ultimate notes</a:t>
-            </a:r>
-            <a:endParaRPr lang="en-GB" dirty="0"/>
-          </a:p>
-        </p:txBody>
-      </p:sp>
-      <p:sp>
-        <p:nvSpPr>
-          <p:cNvPr id="3" name="Content Placeholder 2"/>
-          <p:cNvSpPr>
-            <a:spLocks noGrp="1"/>
-          </p:cNvSpPr>
+              <a:rPr lang="de-AT" dirty="0" err="1" smtClean="0"/>
+              <a:t>Example</a:t>
+            </a:r>
+            <a:r>
+              <a:rPr lang="de-AT" dirty="0" smtClean="0"/>
+              <a:t>: </a:t>
+            </a:r>
+            <a:r>
+              <a:rPr lang="de-AT" dirty="0" err="1" smtClean="0"/>
+              <a:t>freedom</a:t>
+            </a:r>
+            <a:r>
+              <a:rPr lang="de-AT" dirty="0" smtClean="0"/>
+              <a:t> </a:t>
+            </a:r>
+            <a:r>
+              <a:rPr lang="de-AT" dirty="0" err="1" smtClean="0"/>
+              <a:t>of</a:t>
+            </a:r>
+            <a:r>
+              <a:rPr lang="de-AT" dirty="0" smtClean="0"/>
+              <a:t> </a:t>
+            </a:r>
+            <a:r>
+              <a:rPr lang="de-AT" dirty="0" err="1" smtClean="0"/>
+              <a:t>expression</a:t>
+            </a:r>
+            <a:r>
+              <a:rPr lang="de-AT" dirty="0" smtClean="0"/>
+              <a:t> (2)</a:t>
+            </a:r>
+            <a:endParaRPr lang="de-AT" dirty="0"/>
+          </a:p>
+        </p:txBody>
+      </p:sp>
+      <p:pic>
+        <p:nvPicPr>
+          <p:cNvPr id="4" name="Inhaltsplatzhalter 3"/>
+          <p:cNvPicPr>
+            <a:picLocks noGrp="1" noChangeAspect="1"/>
+          </p:cNvPicPr>
           <p:nvPr>
             <p:ph sz="quarter" idx="1"/>
           </p:nvPr>
-        </p:nvSpPr>
-        <p:spPr/>
-        <p:txBody>
-          <a:bodyPr>
-            <a:normAutofit/>
-          </a:bodyPr>
-          <a:lstStyle/>
-          <a:p>
-            <a:r>
-              <a:rPr lang="en-US" dirty="0" smtClean="0"/>
-              <a:t>Strong civil society prevents deforestation (the degree of deforestation explains the civil society participation)</a:t>
-            </a:r>
-            <a:endParaRPr lang="en-US" dirty="0"/>
-          </a:p>
-          <a:p>
-            <a:endParaRPr lang="en-US" dirty="0" smtClean="0"/>
-          </a:p>
-          <a:p>
-            <a:pPr marL="0" indent="0">
-              <a:buNone/>
-            </a:pPr>
-            <a:endParaRPr lang="en-US" dirty="0" smtClean="0"/>
-          </a:p>
-          <a:p>
-            <a:endParaRPr lang="en-US" dirty="0"/>
-          </a:p>
-          <a:p>
-            <a:endParaRPr lang="en-US" dirty="0" smtClean="0"/>
-          </a:p>
-          <a:p>
-            <a:r>
-              <a:rPr lang="en-US" dirty="0"/>
-              <a:t>Possible models (an overview for future discussion</a:t>
-            </a:r>
-            <a:r>
-              <a:rPr lang="en-US" dirty="0" smtClean="0"/>
-              <a:t>)</a:t>
-            </a:r>
-          </a:p>
-          <a:p>
-            <a:r>
-              <a:rPr lang="en-US" dirty="0" smtClean="0"/>
-              <a:t>Normalization of variables </a:t>
-            </a:r>
-            <a:r>
-              <a:rPr lang="en-US" smtClean="0"/>
-              <a:t>for better </a:t>
-            </a:r>
-            <a:r>
-              <a:rPr lang="en-US" dirty="0" smtClean="0"/>
-              <a:t>interpretation of coefficients</a:t>
-            </a:r>
-            <a:endParaRPr lang="en-US" dirty="0"/>
-          </a:p>
-          <a:p>
-            <a:endParaRPr lang="en-GB" dirty="0"/>
-          </a:p>
-        </p:txBody>
-      </p:sp>
+        </p:nvPicPr>
+        <p:blipFill>
+          <a:blip r:embed="rId2">
+            <a:extLst>
+              <a:ext uri="{28A0092B-C50C-407E-A947-70E740481C1C}">
+                <a14:useLocalDpi xmlns:a14="http://schemas.microsoft.com/office/drawing/2010/main" val="0"/>
+              </a:ext>
+            </a:extLst>
+          </a:blip>
+          <a:stretch>
+            <a:fillRect/>
+          </a:stretch>
+        </p:blipFill>
+        <p:spPr>
+          <a:xfrm>
+            <a:off x="2162051" y="1447800"/>
+            <a:ext cx="5277097" cy="4572000"/>
+          </a:xfrm>
+        </p:spPr>
+      </p:pic>
+      <p:pic>
+        <p:nvPicPr>
+          <p:cNvPr id="3" name="Grafik 2"/>
+          <p:cNvPicPr>
+            <a:picLocks noChangeAspect="1"/>
+          </p:cNvPicPr>
+          <p:nvPr/>
+        </p:nvPicPr>
+        <p:blipFill>
+          <a:blip r:embed="rId3">
+            <a:extLst>
+              <a:ext uri="{28A0092B-C50C-407E-A947-70E740481C1C}">
+                <a14:useLocalDpi xmlns:a14="http://schemas.microsoft.com/office/drawing/2010/main" val="0"/>
+              </a:ext>
+            </a:extLst>
+          </a:blip>
+          <a:stretch>
+            <a:fillRect/>
+          </a:stretch>
+        </p:blipFill>
+        <p:spPr>
+          <a:xfrm>
+            <a:off x="2162051" y="1468916"/>
+            <a:ext cx="5672610" cy="4914667"/>
+          </a:xfrm>
+          <a:prstGeom prst="rect">
+            <a:avLst/>
+          </a:prstGeom>
+        </p:spPr>
+      </p:pic>
     </p:spTree>
     <p:extLst>
       <p:ext uri="{BB962C8B-B14F-4D97-AF65-F5344CB8AC3E}">
-        <p14:creationId xmlns:p14="http://schemas.microsoft.com/office/powerpoint/2010/main" val="357396725"/>
+        <p14:creationId xmlns:p14="http://schemas.microsoft.com/office/powerpoint/2010/main" val="4215030790"/>
       </p:ext>
     </p:extLst>
   </p:cSld>
   <p:clrMapOvr>
     <a:masterClrMapping/>
   </p:clrMapOvr>
+  <p:timing>
+    <p:tnLst>
+      <p:par>
+        <p:cTn id="1" dur="indefinite" restart="never" nodeType="tmRoot"/>
+      </p:par>
+    </p:tnLst>
+  </p:timing>
+</p:sld>
+</file>
+
+<file path=ppt/slides/slide8.xml><?xml version="1.0" encoding="utf-8"?>
+<p:sld xmlns:a="http://schemas.openxmlformats.org/drawingml/2006/main" xmlns:r="http://schemas.openxmlformats.org/officeDocument/2006/relationships" xmlns:p="http://schemas.openxmlformats.org/presentationml/2006/main">
+  <p:cSld>
+    <p:spTree>
+      <p:nvGrpSpPr>
+        <p:cNvPr id="1" name=""/>
+        <p:cNvGrpSpPr/>
+        <p:nvPr/>
+      </p:nvGrpSpPr>
+      <p:grpSpPr>
+        <a:xfrm>
+          <a:off x="0" y="0"/>
+          <a:ext cx="0" cy="0"/>
+          <a:chOff x="0" y="0"/>
+          <a:chExt cx="0" cy="0"/>
+        </a:xfrm>
+      </p:grpSpPr>
+      <p:sp>
+        <p:nvSpPr>
+          <p:cNvPr id="2" name="Titel 1"/>
+          <p:cNvSpPr>
+            <a:spLocks noGrp="1"/>
+          </p:cNvSpPr>
+          <p:nvPr>
+            <p:ph type="title"/>
+          </p:nvPr>
+        </p:nvSpPr>
+        <p:spPr/>
+        <p:txBody>
+          <a:bodyPr/>
+          <a:lstStyle/>
+          <a:p>
+            <a:r>
+              <a:rPr lang="de-AT" dirty="0" err="1" smtClean="0"/>
+              <a:t>Example</a:t>
+            </a:r>
+            <a:r>
+              <a:rPr lang="de-AT" dirty="0" smtClean="0"/>
+              <a:t>: </a:t>
+            </a:r>
+            <a:r>
+              <a:rPr lang="de-AT" dirty="0" err="1" smtClean="0"/>
+              <a:t>freedom</a:t>
+            </a:r>
+            <a:r>
+              <a:rPr lang="de-AT" dirty="0" smtClean="0"/>
+              <a:t> </a:t>
+            </a:r>
+            <a:r>
+              <a:rPr lang="de-AT" dirty="0" err="1" smtClean="0"/>
+              <a:t>of</a:t>
+            </a:r>
+            <a:r>
+              <a:rPr lang="de-AT" dirty="0" smtClean="0"/>
+              <a:t> </a:t>
+            </a:r>
+            <a:r>
+              <a:rPr lang="de-AT" dirty="0" err="1" smtClean="0"/>
+              <a:t>expression</a:t>
+            </a:r>
+            <a:r>
+              <a:rPr lang="de-AT" dirty="0" smtClean="0"/>
+              <a:t> (3)</a:t>
+            </a:r>
+            <a:endParaRPr lang="de-AT" dirty="0"/>
+          </a:p>
+        </p:txBody>
+      </p:sp>
+      <p:pic>
+        <p:nvPicPr>
+          <p:cNvPr id="4" name="Inhaltsplatzhalter 3"/>
+          <p:cNvPicPr>
+            <a:picLocks noGrp="1" noChangeAspect="1"/>
+          </p:cNvPicPr>
+          <p:nvPr>
+            <p:ph sz="quarter" idx="1"/>
+          </p:nvPr>
+        </p:nvPicPr>
+        <p:blipFill>
+          <a:blip r:embed="rId2">
+            <a:extLst>
+              <a:ext uri="{28A0092B-C50C-407E-A947-70E740481C1C}">
+                <a14:useLocalDpi xmlns:a14="http://schemas.microsoft.com/office/drawing/2010/main" val="0"/>
+              </a:ext>
+            </a:extLst>
+          </a:blip>
+          <a:stretch>
+            <a:fillRect/>
+          </a:stretch>
+        </p:blipFill>
+        <p:spPr>
+          <a:xfrm>
+            <a:off x="2162051" y="1447800"/>
+            <a:ext cx="5277097" cy="4572000"/>
+          </a:xfrm>
+        </p:spPr>
+      </p:pic>
+      <p:pic>
+        <p:nvPicPr>
+          <p:cNvPr id="3" name="Grafik 2"/>
+          <p:cNvPicPr>
+            <a:picLocks noChangeAspect="1"/>
+          </p:cNvPicPr>
+          <p:nvPr/>
+        </p:nvPicPr>
+        <p:blipFill>
+          <a:blip r:embed="rId3">
+            <a:extLst>
+              <a:ext uri="{28A0092B-C50C-407E-A947-70E740481C1C}">
+                <a14:useLocalDpi xmlns:a14="http://schemas.microsoft.com/office/drawing/2010/main" val="0"/>
+              </a:ext>
+            </a:extLst>
+          </a:blip>
+          <a:stretch>
+            <a:fillRect/>
+          </a:stretch>
+        </p:blipFill>
+        <p:spPr>
+          <a:xfrm>
+            <a:off x="2162051" y="1468916"/>
+            <a:ext cx="5672610" cy="4914667"/>
+          </a:xfrm>
+          <a:prstGeom prst="rect">
+            <a:avLst/>
+          </a:prstGeom>
+        </p:spPr>
+      </p:pic>
+      <p:pic>
+        <p:nvPicPr>
+          <p:cNvPr id="5" name="Grafik 4"/>
+          <p:cNvPicPr>
+            <a:picLocks noChangeAspect="1"/>
+          </p:cNvPicPr>
+          <p:nvPr/>
+        </p:nvPicPr>
+        <p:blipFill>
+          <a:blip r:embed="rId4">
+            <a:extLst>
+              <a:ext uri="{28A0092B-C50C-407E-A947-70E740481C1C}">
+                <a14:useLocalDpi xmlns:a14="http://schemas.microsoft.com/office/drawing/2010/main" val="0"/>
+              </a:ext>
+            </a:extLst>
+          </a:blip>
+          <a:stretch>
+            <a:fillRect/>
+          </a:stretch>
+        </p:blipFill>
+        <p:spPr>
+          <a:xfrm>
+            <a:off x="2190511" y="1469968"/>
+            <a:ext cx="5672610" cy="4914667"/>
+          </a:xfrm>
+          <a:prstGeom prst="rect">
+            <a:avLst/>
+          </a:prstGeom>
+        </p:spPr>
+      </p:pic>
+    </p:spTree>
+    <p:extLst>
+      <p:ext uri="{BB962C8B-B14F-4D97-AF65-F5344CB8AC3E}">
+        <p14:creationId xmlns:p14="http://schemas.microsoft.com/office/powerpoint/2010/main" val="2423072762"/>
+      </p:ext>
+    </p:extLst>
+  </p:cSld>
+  <p:clrMapOvr>
+    <a:masterClrMapping/>
+  </p:clrMapOvr>
+  <p:timing>
+    <p:tnLst>
+      <p:par>
+        <p:cTn id="1" dur="indefinite" restart="never" nodeType="tmRoot"/>
+      </p:par>
+    </p:tnLst>
+  </p:timing>
+</p:sld>
+</file>
+
+<file path=ppt/slides/slide9.xml><?xml version="1.0" encoding="utf-8"?>
+<p:sld xmlns:a="http://schemas.openxmlformats.org/drawingml/2006/main" xmlns:r="http://schemas.openxmlformats.org/officeDocument/2006/relationships" xmlns:p="http://schemas.openxmlformats.org/presentationml/2006/main">
+  <p:cSld>
+    <p:spTree>
+      <p:nvGrpSpPr>
+        <p:cNvPr id="1" name=""/>
+        <p:cNvGrpSpPr/>
+        <p:nvPr/>
+      </p:nvGrpSpPr>
+      <p:grpSpPr>
+        <a:xfrm>
+          <a:off x="0" y="0"/>
+          <a:ext cx="0" cy="0"/>
+          <a:chOff x="0" y="0"/>
+          <a:chExt cx="0" cy="0"/>
+        </a:xfrm>
+      </p:grpSpPr>
+      <p:sp>
+        <p:nvSpPr>
+          <p:cNvPr id="2" name="Titel 1"/>
+          <p:cNvSpPr>
+            <a:spLocks noGrp="1"/>
+          </p:cNvSpPr>
+          <p:nvPr>
+            <p:ph type="title"/>
+          </p:nvPr>
+        </p:nvSpPr>
+        <p:spPr/>
+        <p:txBody>
+          <a:bodyPr/>
+          <a:lstStyle/>
+          <a:p>
+            <a:r>
+              <a:rPr lang="de-AT" dirty="0" err="1" smtClean="0"/>
+              <a:t>Example</a:t>
+            </a:r>
+            <a:r>
+              <a:rPr lang="de-AT" dirty="0" smtClean="0"/>
+              <a:t>: </a:t>
+            </a:r>
+            <a:r>
+              <a:rPr lang="de-AT" dirty="0" err="1" smtClean="0"/>
+              <a:t>freedom</a:t>
+            </a:r>
+            <a:r>
+              <a:rPr lang="de-AT" dirty="0" smtClean="0"/>
+              <a:t> </a:t>
+            </a:r>
+            <a:r>
+              <a:rPr lang="de-AT" dirty="0" err="1" smtClean="0"/>
+              <a:t>of</a:t>
+            </a:r>
+            <a:r>
+              <a:rPr lang="de-AT" dirty="0" smtClean="0"/>
+              <a:t> </a:t>
+            </a:r>
+            <a:r>
+              <a:rPr lang="de-AT" dirty="0" err="1" smtClean="0"/>
+              <a:t>expression</a:t>
+            </a:r>
+            <a:r>
+              <a:rPr lang="de-AT" dirty="0" smtClean="0"/>
+              <a:t> (3)</a:t>
+            </a:r>
+            <a:endParaRPr lang="de-AT" dirty="0"/>
+          </a:p>
+        </p:txBody>
+      </p:sp>
+      <p:pic>
+        <p:nvPicPr>
+          <p:cNvPr id="6" name="Grafik 5"/>
+          <p:cNvPicPr>
+            <a:picLocks noChangeAspect="1"/>
+          </p:cNvPicPr>
+          <p:nvPr/>
+        </p:nvPicPr>
+        <p:blipFill>
+          <a:blip r:embed="rId2">
+            <a:extLst>
+              <a:ext uri="{28A0092B-C50C-407E-A947-70E740481C1C}">
+                <a14:useLocalDpi xmlns:a14="http://schemas.microsoft.com/office/drawing/2010/main" val="0"/>
+              </a:ext>
+            </a:extLst>
+          </a:blip>
+          <a:stretch>
+            <a:fillRect/>
+          </a:stretch>
+        </p:blipFill>
+        <p:spPr>
+          <a:xfrm>
+            <a:off x="1600200" y="1417638"/>
+            <a:ext cx="5672610" cy="4914667"/>
+          </a:xfrm>
+          <a:prstGeom prst="rect">
+            <a:avLst/>
+          </a:prstGeom>
+        </p:spPr>
+      </p:pic>
+    </p:spTree>
+    <p:extLst>
+      <p:ext uri="{BB962C8B-B14F-4D97-AF65-F5344CB8AC3E}">
+        <p14:creationId xmlns:p14="http://schemas.microsoft.com/office/powerpoint/2010/main" val="786034438"/>
+      </p:ext>
+    </p:extLst>
+  </p:cSld>
+  <p:clrMapOvr>
+    <a:masterClrMapping/>
+  </p:clrMapOvr>
+  <p:timing>
+    <p:tnLst>
+      <p:par>
+        <p:cTn id="1" dur="indefinite" restart="never" nodeType="tmRoot"/>
+      </p:par>
+    </p:tnLst>
+  </p:timing>
 </p:sld>
 </file>
 
